--- a/Web Design & Development/5. JavaScript OOP/04. TypeScript Overview/TypeScript.pptx
+++ b/Web Design & Development/5. JavaScript OOP/04. TypeScript Overview/TypeScript.pptx
@@ -142,7 +142,7 @@
   </p:defaultTextStyle>
   <p:extLst>
     <p:ext uri="{EFAFB233-063F-42B5-8137-9DF3F51BA10A}">
-      <p15:sldGuideLst xmlns="" xmlns:p15="http://schemas.microsoft.com/office/powerpoint/2012/main">
+      <p15:sldGuideLst xmlns:p15="http://schemas.microsoft.com/office/powerpoint/2012/main">
         <p15:guide id="1" orient="horz" pos="2160">
           <p15:clr>
             <a:srgbClr val="A4A3A4"/>
@@ -241,7 +241,7 @@
           <a:p>
             <a:fld id="{27A454CF-8F80-40BB-95A8-2FE61EFD4042}" type="datetimeFigureOut">
               <a:rPr lang="en-US" smtClean="0"/>
-              <a:t>6/30/2014</a:t>
+              <a:t>7/3/2014</a:t>
             </a:fld>
             <a:endParaRPr lang="en-US"/>
           </a:p>
